--- a/courses/apcsp/lectures/lec6.pptx
+++ b/courses/apcsp/lectures/lec6.pptx
@@ -26,8 +26,7 @@
     <p:sldId id="300" r:id="rId20"/>
     <p:sldId id="332" r:id="rId21"/>
     <p:sldId id="341" r:id="rId22"/>
-    <p:sldId id="346" r:id="rId23"/>
-    <p:sldId id="284" r:id="rId24"/>
+    <p:sldId id="284" r:id="rId23"/>
   </p:sldIdLst>
   <p:sldSz cx="9144000" cy="5715000" type="screen16x10"/>
   <p:notesSz cx="6858000" cy="9144000"/>
@@ -137,7 +136,7 @@
 <file path=ppt/revisionInfo.xml><?xml version="1.0" encoding="utf-8"?>
 <p1510:revInfo xmlns:a="http://schemas.openxmlformats.org/drawingml/2006/main" xmlns:r="http://schemas.openxmlformats.org/officeDocument/2006/relationships" xmlns:p1510="http://schemas.microsoft.com/office/powerpoint/2015/10/main">
   <p1510:revLst>
-    <p1510:client id="{7279A8A5-2AEE-8349-A56F-AA85D50C2543}" v="2463" dt="2021-06-05T03:47:47.906"/>
+    <p1510:client id="{7279A8A5-2AEE-8349-A56F-AA85D50C2543}" v="3114" dt="2021-06-05T15:42:02.995"/>
   </p1510:revLst>
 </p1510:revInfo>
 </file>
@@ -147,7 +146,7 @@
   <pc:docChgLst>
     <pc:chgData name="Long B Nguyen" userId="f59fb8f3-a021-417a-8bc1-65c8d471c621" providerId="ADAL" clId="{7279A8A5-2AEE-8349-A56F-AA85D50C2543}"/>
     <pc:docChg chg="undo custSel addSld delSld modSld">
-      <pc:chgData name="Long B Nguyen" userId="f59fb8f3-a021-417a-8bc1-65c8d471c621" providerId="ADAL" clId="{7279A8A5-2AEE-8349-A56F-AA85D50C2543}" dt="2021-06-05T03:47:47.906" v="3276" actId="20577"/>
+      <pc:chgData name="Long B Nguyen" userId="f59fb8f3-a021-417a-8bc1-65c8d471c621" providerId="ADAL" clId="{7279A8A5-2AEE-8349-A56F-AA85D50C2543}" dt="2021-06-05T15:49:16.011" v="4011" actId="2696"/>
       <pc:docMkLst>
         <pc:docMk/>
       </pc:docMkLst>
@@ -196,7 +195,7 @@
         </pc:sldMkLst>
       </pc:sldChg>
       <pc:sldChg chg="modSp mod">
-        <pc:chgData name="Long B Nguyen" userId="f59fb8f3-a021-417a-8bc1-65c8d471c621" providerId="ADAL" clId="{7279A8A5-2AEE-8349-A56F-AA85D50C2543}" dt="2021-06-05T03:16:05.949" v="1646" actId="1076"/>
+        <pc:chgData name="Long B Nguyen" userId="f59fb8f3-a021-417a-8bc1-65c8d471c621" providerId="ADAL" clId="{7279A8A5-2AEE-8349-A56F-AA85D50C2543}" dt="2021-06-05T15:48:13.077" v="4009" actId="2165"/>
         <pc:sldMkLst>
           <pc:docMk/>
           <pc:sldMk cId="2259044443" sldId="300"/>
@@ -218,7 +217,7 @@
           </ac:spMkLst>
         </pc:spChg>
         <pc:graphicFrameChg chg="mod modGraphic">
-          <ac:chgData name="Long B Nguyen" userId="f59fb8f3-a021-417a-8bc1-65c8d471c621" providerId="ADAL" clId="{7279A8A5-2AEE-8349-A56F-AA85D50C2543}" dt="2021-06-05T03:16:05.949" v="1646" actId="1076"/>
+          <ac:chgData name="Long B Nguyen" userId="f59fb8f3-a021-417a-8bc1-65c8d471c621" providerId="ADAL" clId="{7279A8A5-2AEE-8349-A56F-AA85D50C2543}" dt="2021-06-05T15:48:13.077" v="4009" actId="2165"/>
           <ac:graphicFrameMkLst>
             <pc:docMk/>
             <pc:sldMk cId="2259044443" sldId="300"/>
@@ -477,6 +476,21 @@
           <pc:sldMk cId="4200601291" sldId="336"/>
         </pc:sldMkLst>
       </pc:sldChg>
+      <pc:sldChg chg="modSp add del mod modAnim">
+        <pc:chgData name="Long B Nguyen" userId="f59fb8f3-a021-417a-8bc1-65c8d471c621" providerId="ADAL" clId="{7279A8A5-2AEE-8349-A56F-AA85D50C2543}" dt="2021-06-05T15:49:15.983" v="4010" actId="2696"/>
+        <pc:sldMkLst>
+          <pc:docMk/>
+          <pc:sldMk cId="388596446" sldId="337"/>
+        </pc:sldMkLst>
+        <pc:spChg chg="mod">
+          <ac:chgData name="Long B Nguyen" userId="f59fb8f3-a021-417a-8bc1-65c8d471c621" providerId="ADAL" clId="{7279A8A5-2AEE-8349-A56F-AA85D50C2543}" dt="2021-06-05T15:34:34.069" v="3438" actId="207"/>
+          <ac:spMkLst>
+            <pc:docMk/>
+            <pc:sldMk cId="388596446" sldId="337"/>
+            <ac:spMk id="9" creationId="{E3B2E017-30B2-884B-A113-B419A2ED51AD}"/>
+          </ac:spMkLst>
+        </pc:spChg>
+      </pc:sldChg>
       <pc:sldChg chg="del">
         <pc:chgData name="Long B Nguyen" userId="f59fb8f3-a021-417a-8bc1-65c8d471c621" providerId="ADAL" clId="{7279A8A5-2AEE-8349-A56F-AA85D50C2543}" dt="2021-06-04T18:14:10.298" v="520" actId="2696"/>
         <pc:sldMkLst>
@@ -506,7 +520,7 @@
         </pc:sldMkLst>
       </pc:sldChg>
       <pc:sldChg chg="modSp mod">
-        <pc:chgData name="Long B Nguyen" userId="f59fb8f3-a021-417a-8bc1-65c8d471c621" providerId="ADAL" clId="{7279A8A5-2AEE-8349-A56F-AA85D50C2543}" dt="2021-06-05T03:37:38.417" v="2733" actId="1076"/>
+        <pc:chgData name="Long B Nguyen" userId="f59fb8f3-a021-417a-8bc1-65c8d471c621" providerId="ADAL" clId="{7279A8A5-2AEE-8349-A56F-AA85D50C2543}" dt="2021-06-05T15:35:39.806" v="3448" actId="20577"/>
         <pc:sldMkLst>
           <pc:docMk/>
           <pc:sldMk cId="2050208201" sldId="341"/>
@@ -520,7 +534,7 @@
           </ac:spMkLst>
         </pc:spChg>
         <pc:spChg chg="mod">
-          <ac:chgData name="Long B Nguyen" userId="f59fb8f3-a021-417a-8bc1-65c8d471c621" providerId="ADAL" clId="{7279A8A5-2AEE-8349-A56F-AA85D50C2543}" dt="2021-06-05T03:37:36.201" v="2732" actId="14100"/>
+          <ac:chgData name="Long B Nguyen" userId="f59fb8f3-a021-417a-8bc1-65c8d471c621" providerId="ADAL" clId="{7279A8A5-2AEE-8349-A56F-AA85D50C2543}" dt="2021-06-05T15:35:39.806" v="3448" actId="20577"/>
           <ac:spMkLst>
             <pc:docMk/>
             <pc:sldMk cId="2050208201" sldId="341"/>
@@ -554,6 +568,13 @@
         <pc:sldMkLst>
           <pc:docMk/>
           <pc:sldMk cId="2355424310" sldId="345"/>
+        </pc:sldMkLst>
+      </pc:sldChg>
+      <pc:sldChg chg="del">
+        <pc:chgData name="Long B Nguyen" userId="f59fb8f3-a021-417a-8bc1-65c8d471c621" providerId="ADAL" clId="{7279A8A5-2AEE-8349-A56F-AA85D50C2543}" dt="2021-06-05T15:35:45.254" v="3449" actId="2696"/>
+        <pc:sldMkLst>
+          <pc:docMk/>
+          <pc:sldMk cId="3549579413" sldId="346"/>
         </pc:sldMkLst>
       </pc:sldChg>
       <pc:sldChg chg="modSp add mod modAnim">
@@ -791,6 +812,36 @@
             <ac:spMk id="9" creationId="{E3B2E017-30B2-884B-A113-B419A2ED51AD}"/>
           </ac:spMkLst>
         </pc:spChg>
+      </pc:sldChg>
+      <pc:sldChg chg="modSp add del mod modAnim">
+        <pc:chgData name="Long B Nguyen" userId="f59fb8f3-a021-417a-8bc1-65c8d471c621" providerId="ADAL" clId="{7279A8A5-2AEE-8349-A56F-AA85D50C2543}" dt="2021-06-05T15:49:16.011" v="4011" actId="2696"/>
+        <pc:sldMkLst>
+          <pc:docMk/>
+          <pc:sldMk cId="167397306" sldId="356"/>
+        </pc:sldMkLst>
+        <pc:spChg chg="mod">
+          <ac:chgData name="Long B Nguyen" userId="f59fb8f3-a021-417a-8bc1-65c8d471c621" providerId="ADAL" clId="{7279A8A5-2AEE-8349-A56F-AA85D50C2543}" dt="2021-06-05T15:36:10.990" v="3496" actId="20577"/>
+          <ac:spMkLst>
+            <pc:docMk/>
+            <pc:sldMk cId="167397306" sldId="356"/>
+            <ac:spMk id="2" creationId="{AA3A228F-61D0-D949-A5E7-F83756230BF8}"/>
+          </ac:spMkLst>
+        </pc:spChg>
+        <pc:spChg chg="mod">
+          <ac:chgData name="Long B Nguyen" userId="f59fb8f3-a021-417a-8bc1-65c8d471c621" providerId="ADAL" clId="{7279A8A5-2AEE-8349-A56F-AA85D50C2543}" dt="2021-06-05T15:42:02.995" v="4007" actId="20577"/>
+          <ac:spMkLst>
+            <pc:docMk/>
+            <pc:sldMk cId="167397306" sldId="356"/>
+            <ac:spMk id="9" creationId="{E3B2E017-30B2-884B-A113-B419A2ED51AD}"/>
+          </ac:spMkLst>
+        </pc:spChg>
+      </pc:sldChg>
+      <pc:sldChg chg="add del">
+        <pc:chgData name="Long B Nguyen" userId="f59fb8f3-a021-417a-8bc1-65c8d471c621" providerId="ADAL" clId="{7279A8A5-2AEE-8349-A56F-AA85D50C2543}" dt="2021-06-05T15:35:51.795" v="3451" actId="2696"/>
+        <pc:sldMkLst>
+          <pc:docMk/>
+          <pc:sldMk cId="2596182445" sldId="356"/>
+        </pc:sldMkLst>
       </pc:sldChg>
     </pc:docChg>
   </pc:docChgLst>
@@ -2559,7 +2610,7 @@
           <a:p>
             <a:fld id="{4AAD347D-5ACD-4C99-B74B-A9C85AD731AF}" type="datetimeFigureOut">
               <a:rPr lang="en-US" smtClean="0"/>
-              <a:t>6/4/21</a:t>
+              <a:t>6/5/21</a:t>
             </a:fld>
             <a:endParaRPr lang="en-US" dirty="0"/>
           </a:p>
@@ -2729,7 +2780,7 @@
           <a:p>
             <a:fld id="{4509A250-FF31-4206-8172-F9D3106AACB1}" type="datetimeFigureOut">
               <a:rPr lang="en-US" smtClean="0"/>
-              <a:t>6/4/21</a:t>
+              <a:t>6/5/21</a:t>
             </a:fld>
             <a:endParaRPr lang="en-US" dirty="0"/>
           </a:p>
@@ -2909,7 +2960,7 @@
           <a:p>
             <a:fld id="{4509A250-FF31-4206-8172-F9D3106AACB1}" type="datetimeFigureOut">
               <a:rPr lang="en-US" smtClean="0"/>
-              <a:t>6/4/21</a:t>
+              <a:t>6/5/21</a:t>
             </a:fld>
             <a:endParaRPr lang="en-US" dirty="0"/>
           </a:p>
@@ -3079,7 +3130,7 @@
           <a:p>
             <a:fld id="{4509A250-FF31-4206-8172-F9D3106AACB1}" type="datetimeFigureOut">
               <a:rPr lang="en-US" smtClean="0"/>
-              <a:t>6/4/21</a:t>
+              <a:t>6/5/21</a:t>
             </a:fld>
             <a:endParaRPr lang="en-US" dirty="0"/>
           </a:p>
@@ -3325,7 +3376,7 @@
           <a:p>
             <a:fld id="{9796027F-7875-4030-9381-8BD8C4F21935}" type="datetimeFigureOut">
               <a:rPr lang="en-US" smtClean="0"/>
-              <a:t>6/4/21</a:t>
+              <a:t>6/5/21</a:t>
             </a:fld>
             <a:endParaRPr lang="en-US" dirty="0"/>
           </a:p>
@@ -3557,7 +3608,7 @@
           <a:p>
             <a:fld id="{9796027F-7875-4030-9381-8BD8C4F21935}" type="datetimeFigureOut">
               <a:rPr lang="en-US" smtClean="0"/>
-              <a:t>6/4/21</a:t>
+              <a:t>6/5/21</a:t>
             </a:fld>
             <a:endParaRPr lang="en-US" dirty="0"/>
           </a:p>
@@ -3924,7 +3975,7 @@
           <a:p>
             <a:fld id="{9796027F-7875-4030-9381-8BD8C4F21935}" type="datetimeFigureOut">
               <a:rPr lang="en-US" smtClean="0"/>
-              <a:t>6/4/21</a:t>
+              <a:t>6/5/21</a:t>
             </a:fld>
             <a:endParaRPr lang="en-US" dirty="0"/>
           </a:p>
@@ -4042,7 +4093,7 @@
           <a:p>
             <a:fld id="{4509A250-FF31-4206-8172-F9D3106AACB1}" type="datetimeFigureOut">
               <a:rPr lang="en-US" smtClean="0"/>
-              <a:t>6/4/21</a:t>
+              <a:t>6/5/21</a:t>
             </a:fld>
             <a:endParaRPr lang="en-US" dirty="0"/>
           </a:p>
@@ -4137,7 +4188,7 @@
           <a:p>
             <a:fld id="{4509A250-FF31-4206-8172-F9D3106AACB1}" type="datetimeFigureOut">
               <a:rPr lang="en-US" smtClean="0"/>
-              <a:t>6/4/21</a:t>
+              <a:t>6/5/21</a:t>
             </a:fld>
             <a:endParaRPr lang="en-US" dirty="0"/>
           </a:p>
@@ -4414,7 +4465,7 @@
           <a:p>
             <a:fld id="{4509A250-FF31-4206-8172-F9D3106AACB1}" type="datetimeFigureOut">
               <a:rPr lang="en-US" smtClean="0"/>
-              <a:t>6/4/21</a:t>
+              <a:t>6/5/21</a:t>
             </a:fld>
             <a:endParaRPr lang="en-US" dirty="0"/>
           </a:p>
@@ -4671,7 +4722,7 @@
           <a:p>
             <a:fld id="{4509A250-FF31-4206-8172-F9D3106AACB1}" type="datetimeFigureOut">
               <a:rPr lang="en-US" smtClean="0"/>
-              <a:t>6/4/21</a:t>
+              <a:t>6/5/21</a:t>
             </a:fld>
             <a:endParaRPr lang="en-US" dirty="0"/>
           </a:p>
@@ -4884,7 +4935,7 @@
           <a:p>
             <a:fld id="{4AAD347D-5ACD-4C99-B74B-A9C85AD731AF}" type="datetimeFigureOut">
               <a:rPr lang="en-US" smtClean="0"/>
-              <a:t>6/4/21</a:t>
+              <a:t>6/5/21</a:t>
             </a:fld>
             <a:endParaRPr lang="en-US" dirty="0"/>
           </a:p>
@@ -13423,7 +13474,7 @@
           <p:nvPr>
             <p:extLst>
               <p:ext uri="{D42A27DB-BD31-4B8C-83A1-F6EECF244321}">
-                <p14:modId xmlns:p14="http://schemas.microsoft.com/office/powerpoint/2010/main" val="1673548360"/>
+                <p14:modId xmlns:p14="http://schemas.microsoft.com/office/powerpoint/2010/main" val="3698586335"/>
               </p:ext>
             </p:extLst>
           </p:nvPr>
@@ -14716,7 +14767,7 @@
               <a:rPr lang="en-US" b="1" dirty="0">
                 <a:latin typeface="Inconsolata" panose="020B0609030003000000" pitchFamily="49" charset="77"/>
               </a:rPr>
-              <a:t>Use a for loop to compute the sum of values located at even indices.(Use the </a:t>
+              <a:t>Use a for loop to compute the sum of values located at even indices.(Use the range and </a:t>
             </a:r>
             <a:r>
               <a:rPr lang="en-US" b="1" dirty="0" err="1">
@@ -14755,203 +14806,6 @@
 </file>
 
 <file path=ppt/slides/slide22.xml><?xml version="1.0" encoding="utf-8"?>
-<p:sld xmlns:a="http://schemas.openxmlformats.org/drawingml/2006/main" xmlns:r="http://schemas.openxmlformats.org/officeDocument/2006/relationships" xmlns:p="http://schemas.openxmlformats.org/presentationml/2006/main">
-  <p:cSld>
-    <p:spTree>
-      <p:nvGrpSpPr>
-        <p:cNvPr id="1" name=""/>
-        <p:cNvGrpSpPr/>
-        <p:nvPr/>
-      </p:nvGrpSpPr>
-      <p:grpSpPr>
-        <a:xfrm>
-          <a:off x="0" y="0"/>
-          <a:ext cx="0" cy="0"/>
-          <a:chOff x="0" y="0"/>
-          <a:chExt cx="0" cy="0"/>
-        </a:xfrm>
-      </p:grpSpPr>
-      <p:sp>
-        <p:nvSpPr>
-          <p:cNvPr id="2" name="Title 1">
-            <a:extLst>
-              <a:ext uri="{FF2B5EF4-FFF2-40B4-BE49-F238E27FC236}">
-                <a16:creationId xmlns:a16="http://schemas.microsoft.com/office/drawing/2014/main" id="{AA3A228F-61D0-D949-A5E7-F83756230BF8}"/>
-              </a:ext>
-            </a:extLst>
-          </p:cNvPr>
-          <p:cNvSpPr>
-            <a:spLocks noGrp="1"/>
-          </p:cNvSpPr>
-          <p:nvPr>
-            <p:ph type="title"/>
-          </p:nvPr>
-        </p:nvSpPr>
-        <p:spPr>
-          <a:xfrm>
-            <a:off x="174929" y="145751"/>
-            <a:ext cx="7053542" cy="683886"/>
-          </a:xfrm>
-        </p:spPr>
-        <p:txBody>
-          <a:bodyPr/>
-          <a:lstStyle/>
-          <a:p>
-            <a:r>
-              <a:rPr lang="en-US" dirty="0"/>
-              <a:t>Lab 2</a:t>
-            </a:r>
-          </a:p>
-        </p:txBody>
-      </p:sp>
-      <p:sp>
-        <p:nvSpPr>
-          <p:cNvPr id="9" name="Content Placeholder 8">
-            <a:extLst>
-              <a:ext uri="{FF2B5EF4-FFF2-40B4-BE49-F238E27FC236}">
-                <a16:creationId xmlns:a16="http://schemas.microsoft.com/office/drawing/2014/main" id="{E3B2E017-30B2-884B-A113-B419A2ED51AD}"/>
-              </a:ext>
-            </a:extLst>
-          </p:cNvPr>
-          <p:cNvSpPr>
-            <a:spLocks noGrp="1"/>
-          </p:cNvSpPr>
-          <p:nvPr>
-            <p:ph idx="1"/>
-          </p:nvPr>
-        </p:nvSpPr>
-        <p:spPr>
-          <a:xfrm>
-            <a:off x="308920" y="926758"/>
-            <a:ext cx="8226654" cy="4788242"/>
-          </a:xfrm>
-        </p:spPr>
-        <p:txBody>
-          <a:bodyPr>
-            <a:noAutofit/>
-          </a:bodyPr>
-          <a:lstStyle/>
-          <a:p>
-            <a:pPr marL="0" indent="0">
-              <a:buNone/>
-            </a:pPr>
-            <a:r>
-              <a:rPr lang="en-US" dirty="0"/>
-              <a:t>Create a new </a:t>
-            </a:r>
-            <a:r>
-              <a:rPr lang="en-US" dirty="0" err="1"/>
-              <a:t>repl</a:t>
-            </a:r>
-            <a:r>
-              <a:rPr lang="en-US" dirty="0"/>
-              <a:t> on </a:t>
-            </a:r>
-            <a:r>
-              <a:rPr lang="en-US" dirty="0" err="1"/>
-              <a:t>repl.it</a:t>
-            </a:r>
-            <a:r>
-              <a:rPr lang="en-US" dirty="0"/>
-              <a:t> Use list comprehensions to create the following lists.</a:t>
-            </a:r>
-            <a:endParaRPr lang="en-US" b="1" dirty="0">
-              <a:latin typeface="Inconsolata" panose="020B0609030003000000" pitchFamily="49" charset="77"/>
-            </a:endParaRPr>
-          </a:p>
-          <a:p>
-            <a:pPr marL="457200" indent="-457200">
-              <a:buAutoNum type="arabicParenR"/>
-            </a:pPr>
-            <a:r>
-              <a:rPr lang="en-US" b="1" dirty="0">
-                <a:latin typeface="Inconsolata" panose="020B0609030003000000" pitchFamily="49" charset="77"/>
-              </a:rPr>
-              <a:t>[2,4,6,8,10,…,20]</a:t>
-            </a:r>
-          </a:p>
-          <a:p>
-            <a:pPr marL="457200" indent="-457200">
-              <a:buAutoNum type="arabicParenR"/>
-            </a:pPr>
-            <a:r>
-              <a:rPr lang="en-US" b="1" dirty="0">
-                <a:latin typeface="Inconsolata" panose="020B0609030003000000" pitchFamily="49" charset="77"/>
-              </a:rPr>
-              <a:t>[1,8,27,64,125]</a:t>
-            </a:r>
-          </a:p>
-          <a:p>
-            <a:pPr marL="457200" indent="-457200">
-              <a:buAutoNum type="arabicParenR"/>
-            </a:pPr>
-            <a:r>
-              <a:rPr lang="en-US" b="1" dirty="0">
-                <a:latin typeface="Inconsolata" panose="020B0609030003000000" pitchFamily="49" charset="77"/>
-              </a:rPr>
-              <a:t>[0.5,1.0,1.5,2.0,2.5,3.0]</a:t>
-            </a:r>
-          </a:p>
-          <a:p>
-            <a:pPr marL="457200" indent="-457200">
-              <a:buAutoNum type="arabicParenR"/>
-            </a:pPr>
-            <a:r>
-              <a:rPr lang="en-US" b="1" dirty="0">
-                <a:latin typeface="Inconsolata" panose="020B0609030003000000" pitchFamily="49" charset="77"/>
-              </a:rPr>
-              <a:t>['1','2','3','4','5']</a:t>
-            </a:r>
-          </a:p>
-          <a:p>
-            <a:pPr marL="457200" indent="-457200">
-              <a:buAutoNum type="arabicParenR"/>
-            </a:pPr>
-            <a:r>
-              <a:rPr lang="en-US" b="1" dirty="0">
-                <a:latin typeface="Inconsolata" panose="020B0609030003000000" pitchFamily="49" charset="77"/>
-              </a:rPr>
-              <a:t>[1,3,5,7,9,…,99]. Must use condition in the list comprehension.</a:t>
-            </a:r>
-          </a:p>
-          <a:p>
-            <a:pPr marL="457200" indent="-457200">
-              <a:buAutoNum type="arabicParenR"/>
-            </a:pPr>
-            <a:r>
-              <a:rPr lang="en-US" b="1" dirty="0">
-                <a:latin typeface="Inconsolata" panose="020B0609030003000000" pitchFamily="49" charset="77"/>
-              </a:rPr>
-              <a:t>The nested 2D list: [1,2,3,4,5] repeated 10 times.</a:t>
-            </a:r>
-          </a:p>
-          <a:p>
-            <a:pPr marL="457200" indent="-457200">
-              <a:buAutoNum type="arabicParenR"/>
-            </a:pPr>
-            <a:r>
-              <a:rPr lang="en-US" b="1" dirty="0">
-                <a:latin typeface="Inconsolata" panose="020B0609030003000000" pitchFamily="49" charset="77"/>
-              </a:rPr>
-              <a:t>The nested 2D list: [0,0,0,0,0] repeated 20 times.</a:t>
-            </a:r>
-          </a:p>
-        </p:txBody>
-      </p:sp>
-    </p:spTree>
-    <p:extLst>
-      <p:ext uri="{BB962C8B-B14F-4D97-AF65-F5344CB8AC3E}">
-        <p14:creationId xmlns:p14="http://schemas.microsoft.com/office/powerpoint/2010/main" val="3549579413"/>
-      </p:ext>
-    </p:extLst>
-  </p:cSld>
-  <p:clrMapOvr>
-    <a:masterClrMapping/>
-  </p:clrMapOvr>
-</p:sld>
-</file>
-
-<file path=ppt/slides/slide23.xml><?xml version="1.0" encoding="utf-8"?>
 <p:sld xmlns:a="http://schemas.openxmlformats.org/drawingml/2006/main" xmlns:r="http://schemas.openxmlformats.org/officeDocument/2006/relationships" xmlns:p="http://schemas.openxmlformats.org/presentationml/2006/main">
   <p:cSld>
     <p:spTree>
